--- a/papers/versioning-update-2015/ompi-new-version-numbers-for-end-users.pptx
+++ b/papers/versioning-update-2015/ompi-new-version-numbers-for-end-users.pptx
@@ -260,7 +260,7 @@
           <a:p>
             <a:fld id="{3B32A559-5CC3-0E4D-94F5-FD8DEFC725A8}" type="datetimeFigureOut">
               <a:rPr lang="en-US" smtClean="0"/>
-              <a:t>6/23/15</a:t>
+              <a:t>6/24/15</a:t>
             </a:fld>
             <a:endParaRPr lang="en-US"/>
           </a:p>
@@ -4996,13 +4996,8 @@
             </a:pPr>
             <a:r>
               <a:rPr lang="en-US" dirty="0" smtClean="0"/>
-              <a:t>The first </a:t>
-            </a:r>
-            <a:r>
-              <a:rPr lang="en-US" dirty="0" smtClean="0"/>
-              <a:t>digit of the Open MPI version number changes</a:t>
-            </a:r>
-            <a:endParaRPr lang="en-US" dirty="0" smtClean="0"/>
+              <a:t>The first digit of the Open MPI version number changes</a:t>
+            </a:r>
           </a:p>
           <a:p>
             <a:pPr marL="971550" lvl="1" indent="-514350">
@@ -5011,11 +5006,7 @@
             </a:pPr>
             <a:r>
               <a:rPr lang="en-US" dirty="0" smtClean="0"/>
-              <a:t>Read the NEWS </a:t>
-            </a:r>
-            <a:r>
-              <a:rPr lang="en-US" dirty="0" smtClean="0"/>
-              <a:t>file</a:t>
+              <a:t>Read the NEWS file</a:t>
             </a:r>
           </a:p>
           <a:p>
@@ -5024,7 +5015,6 @@
               <a:rPr lang="en-US" dirty="0" smtClean="0"/>
               <a:t>When the first digit of the version number changes, NEWS will contain a list of what issues broke backwards compatibility</a:t>
             </a:r>
-            <a:endParaRPr lang="en-US" dirty="0" smtClean="0"/>
           </a:p>
         </p:txBody>
       </p:sp>
@@ -7065,8 +7055,8 @@
         </p:nvSpPr>
         <p:spPr>
           <a:xfrm>
-            <a:off x="1674291" y="4800600"/>
-            <a:ext cx="5795427" cy="1200328"/>
+            <a:off x="1907277" y="4800600"/>
+            <a:ext cx="5329454" cy="830997"/>
           </a:xfrm>
           <a:prstGeom prst="rect">
             <a:avLst/>
@@ -7089,16 +7079,13 @@
             <a:pPr algn="ctr"/>
             <a:r>
               <a:rPr lang="en-US" dirty="0" smtClean="0"/>
-              <a:t>And (a small number of) new features</a:t>
-            </a:r>
-          </a:p>
-          <a:p>
-            <a:pPr algn="ctr"/>
-            <a:r>
-              <a:rPr lang="en-US" dirty="0" smtClean="0"/>
-              <a:t>Will be backwards compatible with v1.8.6</a:t>
-            </a:r>
-            <a:endParaRPr lang="en-US" dirty="0"/>
+              <a:t>And (a small number of) new </a:t>
+            </a:r>
+            <a:r>
+              <a:rPr lang="en-US" dirty="0" smtClean="0"/>
+              <a:t>features</a:t>
+            </a:r>
+            <a:endParaRPr lang="en-US" dirty="0" smtClean="0"/>
           </a:p>
         </p:txBody>
       </p:sp>
